--- a/Week2-DataBase/Project/ER-Diagram.pptx
+++ b/Week2-DataBase/Project/ER-Diagram.pptx
@@ -243,7 +243,7 @@
           <a:p>
             <a:fld id="{836F4706-AC5E-400D-88D0-33B46844287F}" type="datetimeFigureOut">
               <a:rPr lang="en-US" smtClean="0"/>
-              <a:t>12/31/2020</a:t>
+              <a:t>1/5/2021</a:t>
             </a:fld>
             <a:endParaRPr lang="en-US"/>
           </a:p>
@@ -413,7 +413,7 @@
           <a:p>
             <a:fld id="{836F4706-AC5E-400D-88D0-33B46844287F}" type="datetimeFigureOut">
               <a:rPr lang="en-US" smtClean="0"/>
-              <a:t>12/31/2020</a:t>
+              <a:t>1/5/2021</a:t>
             </a:fld>
             <a:endParaRPr lang="en-US"/>
           </a:p>
@@ -593,7 +593,7 @@
           <a:p>
             <a:fld id="{836F4706-AC5E-400D-88D0-33B46844287F}" type="datetimeFigureOut">
               <a:rPr lang="en-US" smtClean="0"/>
-              <a:t>12/31/2020</a:t>
+              <a:t>1/5/2021</a:t>
             </a:fld>
             <a:endParaRPr lang="en-US"/>
           </a:p>
@@ -763,7 +763,7 @@
           <a:p>
             <a:fld id="{836F4706-AC5E-400D-88D0-33B46844287F}" type="datetimeFigureOut">
               <a:rPr lang="en-US" smtClean="0"/>
-              <a:t>12/31/2020</a:t>
+              <a:t>1/5/2021</a:t>
             </a:fld>
             <a:endParaRPr lang="en-US"/>
           </a:p>
@@ -1007,7 +1007,7 @@
           <a:p>
             <a:fld id="{836F4706-AC5E-400D-88D0-33B46844287F}" type="datetimeFigureOut">
               <a:rPr lang="en-US" smtClean="0"/>
-              <a:t>12/31/2020</a:t>
+              <a:t>1/5/2021</a:t>
             </a:fld>
             <a:endParaRPr lang="en-US"/>
           </a:p>
@@ -1239,7 +1239,7 @@
           <a:p>
             <a:fld id="{836F4706-AC5E-400D-88D0-33B46844287F}" type="datetimeFigureOut">
               <a:rPr lang="en-US" smtClean="0"/>
-              <a:t>12/31/2020</a:t>
+              <a:t>1/5/2021</a:t>
             </a:fld>
             <a:endParaRPr lang="en-US"/>
           </a:p>
@@ -1606,7 +1606,7 @@
           <a:p>
             <a:fld id="{836F4706-AC5E-400D-88D0-33B46844287F}" type="datetimeFigureOut">
               <a:rPr lang="en-US" smtClean="0"/>
-              <a:t>12/31/2020</a:t>
+              <a:t>1/5/2021</a:t>
             </a:fld>
             <a:endParaRPr lang="en-US"/>
           </a:p>
@@ -1724,7 +1724,7 @@
           <a:p>
             <a:fld id="{836F4706-AC5E-400D-88D0-33B46844287F}" type="datetimeFigureOut">
               <a:rPr lang="en-US" smtClean="0"/>
-              <a:t>12/31/2020</a:t>
+              <a:t>1/5/2021</a:t>
             </a:fld>
             <a:endParaRPr lang="en-US"/>
           </a:p>
@@ -1819,7 +1819,7 @@
           <a:p>
             <a:fld id="{836F4706-AC5E-400D-88D0-33B46844287F}" type="datetimeFigureOut">
               <a:rPr lang="en-US" smtClean="0"/>
-              <a:t>12/31/2020</a:t>
+              <a:t>1/5/2021</a:t>
             </a:fld>
             <a:endParaRPr lang="en-US"/>
           </a:p>
@@ -2096,7 +2096,7 @@
           <a:p>
             <a:fld id="{836F4706-AC5E-400D-88D0-33B46844287F}" type="datetimeFigureOut">
               <a:rPr lang="en-US" smtClean="0"/>
-              <a:t>12/31/2020</a:t>
+              <a:t>1/5/2021</a:t>
             </a:fld>
             <a:endParaRPr lang="en-US"/>
           </a:p>
@@ -2353,7 +2353,7 @@
           <a:p>
             <a:fld id="{836F4706-AC5E-400D-88D0-33B46844287F}" type="datetimeFigureOut">
               <a:rPr lang="en-US" smtClean="0"/>
-              <a:t>12/31/2020</a:t>
+              <a:t>1/5/2021</a:t>
             </a:fld>
             <a:endParaRPr lang="en-US"/>
           </a:p>
@@ -2566,7 +2566,7 @@
           <a:p>
             <a:fld id="{836F4706-AC5E-400D-88D0-33B46844287F}" type="datetimeFigureOut">
               <a:rPr lang="en-US" smtClean="0"/>
-              <a:t>12/31/2020</a:t>
+              <a:t>1/5/2021</a:t>
             </a:fld>
             <a:endParaRPr lang="en-US"/>
           </a:p>
@@ -3380,7 +3380,7 @@
         <p:spPr>
           <a:xfrm>
             <a:off x="3832226" y="5166070"/>
-            <a:ext cx="1643651" cy="2577247"/>
+            <a:ext cx="1643652" cy="2731135"/>
           </a:xfrm>
           <a:prstGeom prst="bentConnector3">
             <a:avLst/>
@@ -3418,8 +3418,8 @@
         </p:nvSpPr>
         <p:spPr>
           <a:xfrm>
-            <a:off x="5475877" y="6619932"/>
-            <a:ext cx="3445221" cy="2246769"/>
+            <a:off x="5475878" y="6619932"/>
+            <a:ext cx="2771652" cy="2554545"/>
           </a:xfrm>
           <a:prstGeom prst="rect">
             <a:avLst/>
@@ -3456,7 +3456,7 @@
             </a:r>
             <a:r>
               <a:rPr lang="en-US" sz="2000" b="1" u="sng" dirty="0"/>
-              <a:t> (Abstract Class)--</a:t>
+              <a:t> --</a:t>
             </a:r>
           </a:p>
           <a:p>
@@ -3526,6 +3526,13 @@
             <a:r>
               <a:rPr lang="en-US" sz="2000" dirty="0" err="1"/>
               <a:t>bankAccount</a:t>
+            </a:r>
+            <a:endParaRPr lang="en-US" sz="2000" dirty="0"/>
+          </a:p>
+          <a:p>
+            <a:r>
+              <a:rPr lang="en-US" sz="2000" dirty="0" err="1"/>
+              <a:t>yearlyIncome</a:t>
             </a:r>
             <a:endParaRPr lang="en-US" sz="2000" dirty="0"/>
           </a:p>
@@ -3810,282 +3817,6 @@
             <a:r>
               <a:rPr lang="en-US" sz="2000" dirty="0" err="1"/>
               <a:t>dateOfTransfer</a:t>
-            </a:r>
-            <a:endParaRPr lang="en-US" sz="2000" dirty="0"/>
-          </a:p>
-        </p:txBody>
-      </p:sp>
-      <p:cxnSp>
-        <p:nvCxnSpPr>
-          <p:cNvPr id="62" name="Connector: Elbow 61">
-            <a:extLst>
-              <a:ext uri="{FF2B5EF4-FFF2-40B4-BE49-F238E27FC236}">
-                <a16:creationId xmlns:a16="http://schemas.microsoft.com/office/drawing/2014/main" id="{24E4E376-2698-4101-A3C0-EA899C89F714}"/>
-              </a:ext>
-            </a:extLst>
-          </p:cNvPr>
-          <p:cNvCxnSpPr>
-            <a:cxnSpLocks/>
-            <a:stCxn id="31" idx="2"/>
-            <a:endCxn id="79" idx="0"/>
-          </p:cNvCxnSpPr>
-          <p:nvPr/>
-        </p:nvCxnSpPr>
-        <p:spPr>
-          <a:xfrm rot="5400000">
-            <a:off x="4460984" y="8438884"/>
-            <a:ext cx="2309689" cy="3165320"/>
-          </a:xfrm>
-          <a:prstGeom prst="bentConnector3">
-            <a:avLst>
-              <a:gd name="adj1" fmla="val 50000"/>
-            </a:avLst>
-          </a:prstGeom>
-          <a:ln w="57150">
-            <a:tailEnd type="triangle"/>
-          </a:ln>
-        </p:spPr>
-        <p:style>
-          <a:lnRef idx="1">
-            <a:schemeClr val="dk1"/>
-          </a:lnRef>
-          <a:fillRef idx="0">
-            <a:schemeClr val="dk1"/>
-          </a:fillRef>
-          <a:effectRef idx="0">
-            <a:schemeClr val="dk1"/>
-          </a:effectRef>
-          <a:fontRef idx="minor">
-            <a:schemeClr val="tx1"/>
-          </a:fontRef>
-        </p:style>
-      </p:cxnSp>
-      <p:cxnSp>
-        <p:nvCxnSpPr>
-          <p:cNvPr id="70" name="Connector: Elbow 69">
-            <a:extLst>
-              <a:ext uri="{FF2B5EF4-FFF2-40B4-BE49-F238E27FC236}">
-                <a16:creationId xmlns:a16="http://schemas.microsoft.com/office/drawing/2014/main" id="{2835E3B2-6DD7-4465-ADD6-7AC92AEC8E76}"/>
-              </a:ext>
-            </a:extLst>
-          </p:cNvPr>
-          <p:cNvCxnSpPr>
-            <a:cxnSpLocks/>
-            <a:stCxn id="31" idx="2"/>
-            <a:endCxn id="80" idx="0"/>
-          </p:cNvCxnSpPr>
-          <p:nvPr/>
-        </p:nvCxnSpPr>
-        <p:spPr>
-          <a:xfrm rot="5400000">
-            <a:off x="5508690" y="9489880"/>
-            <a:ext cx="2312979" cy="1066618"/>
-          </a:xfrm>
-          <a:prstGeom prst="bentConnector3">
-            <a:avLst/>
-          </a:prstGeom>
-          <a:ln w="57150">
-            <a:tailEnd type="triangle"/>
-          </a:ln>
-        </p:spPr>
-        <p:style>
-          <a:lnRef idx="1">
-            <a:schemeClr val="dk1"/>
-          </a:lnRef>
-          <a:fillRef idx="0">
-            <a:schemeClr val="dk1"/>
-          </a:fillRef>
-          <a:effectRef idx="0">
-            <a:schemeClr val="dk1"/>
-          </a:effectRef>
-          <a:fontRef idx="minor">
-            <a:schemeClr val="tx1"/>
-          </a:fontRef>
-        </p:style>
-      </p:cxnSp>
-      <p:sp>
-        <p:nvSpPr>
-          <p:cNvPr id="79" name="TextBox 78">
-            <a:extLst>
-              <a:ext uri="{FF2B5EF4-FFF2-40B4-BE49-F238E27FC236}">
-                <a16:creationId xmlns:a16="http://schemas.microsoft.com/office/drawing/2014/main" id="{E3FC50D8-373E-41D7-81FA-443EF0023656}"/>
-              </a:ext>
-            </a:extLst>
-          </p:cNvPr>
-          <p:cNvSpPr txBox="1"/>
-          <p:nvPr/>
-        </p:nvSpPr>
-        <p:spPr>
-          <a:xfrm>
-            <a:off x="3192008" y="11176390"/>
-            <a:ext cx="1682318" cy="1323439"/>
-          </a:xfrm>
-          <a:prstGeom prst="rect">
-            <a:avLst/>
-          </a:prstGeom>
-          <a:ln w="57150"/>
-        </p:spPr>
-        <p:style>
-          <a:lnRef idx="2">
-            <a:schemeClr val="dk1"/>
-          </a:lnRef>
-          <a:fillRef idx="1">
-            <a:schemeClr val="lt1"/>
-          </a:fillRef>
-          <a:effectRef idx="0">
-            <a:schemeClr val="dk1"/>
-          </a:effectRef>
-          <a:fontRef idx="minor">
-            <a:schemeClr val="dk1"/>
-          </a:fontRef>
-        </p:style>
-        <p:txBody>
-          <a:bodyPr wrap="square" rtlCol="0">
-            <a:spAutoFit/>
-          </a:bodyPr>
-          <a:lstStyle/>
-          <a:p>
-            <a:r>
-              <a:rPr lang="en-US" sz="2000" b="1" u="sng" dirty="0"/>
-              <a:t>--Officer--</a:t>
-            </a:r>
-          </a:p>
-          <a:p>
-            <a:r>
-              <a:rPr lang="en-US" sz="2000" dirty="0" err="1"/>
-              <a:t>officeNumber</a:t>
-            </a:r>
-            <a:endParaRPr lang="en-US" sz="2000" dirty="0"/>
-          </a:p>
-          <a:p>
-            <a:r>
-              <a:rPr lang="en-US" sz="2000" dirty="0" err="1"/>
-              <a:t>managerId</a:t>
-            </a:r>
-            <a:endParaRPr lang="en-US" sz="2000" dirty="0"/>
-          </a:p>
-          <a:p>
-            <a:r>
-              <a:rPr lang="en-US" sz="2000" dirty="0"/>
-              <a:t>salary</a:t>
-            </a:r>
-          </a:p>
-        </p:txBody>
-      </p:sp>
-      <p:sp>
-        <p:nvSpPr>
-          <p:cNvPr id="80" name="TextBox 79">
-            <a:extLst>
-              <a:ext uri="{FF2B5EF4-FFF2-40B4-BE49-F238E27FC236}">
-                <a16:creationId xmlns:a16="http://schemas.microsoft.com/office/drawing/2014/main" id="{F7B0B1EC-70E0-40F9-9545-8DD6A02B2C75}"/>
-              </a:ext>
-            </a:extLst>
-          </p:cNvPr>
-          <p:cNvSpPr txBox="1"/>
-          <p:nvPr/>
-        </p:nvSpPr>
-        <p:spPr>
-          <a:xfrm>
-            <a:off x="5218980" y="11179680"/>
-            <a:ext cx="1825779" cy="1015663"/>
-          </a:xfrm>
-          <a:prstGeom prst="rect">
-            <a:avLst/>
-          </a:prstGeom>
-          <a:ln w="57150"/>
-        </p:spPr>
-        <p:style>
-          <a:lnRef idx="2">
-            <a:schemeClr val="dk1"/>
-          </a:lnRef>
-          <a:fillRef idx="1">
-            <a:schemeClr val="lt1"/>
-          </a:fillRef>
-          <a:effectRef idx="0">
-            <a:schemeClr val="dk1"/>
-          </a:effectRef>
-          <a:fontRef idx="minor">
-            <a:schemeClr val="dk1"/>
-          </a:fontRef>
-        </p:style>
-        <p:txBody>
-          <a:bodyPr wrap="square" rtlCol="0">
-            <a:spAutoFit/>
-          </a:bodyPr>
-          <a:lstStyle/>
-          <a:p>
-            <a:r>
-              <a:rPr lang="en-US" sz="2000" b="1" u="sng" dirty="0"/>
-              <a:t>--Teller--</a:t>
-            </a:r>
-          </a:p>
-          <a:p>
-            <a:r>
-              <a:rPr lang="en-US" sz="2000" dirty="0" err="1"/>
-              <a:t>stationNumber</a:t>
-            </a:r>
-            <a:endParaRPr lang="en-US" sz="2000" dirty="0"/>
-          </a:p>
-          <a:p>
-            <a:r>
-              <a:rPr lang="en-US" sz="2000" dirty="0" err="1"/>
-              <a:t>hoursWork</a:t>
-            </a:r>
-            <a:endParaRPr lang="en-US" sz="2000" dirty="0"/>
-          </a:p>
-        </p:txBody>
-      </p:sp>
-      <p:sp>
-        <p:nvSpPr>
-          <p:cNvPr id="81" name="TextBox 80">
-            <a:extLst>
-              <a:ext uri="{FF2B5EF4-FFF2-40B4-BE49-F238E27FC236}">
-                <a16:creationId xmlns:a16="http://schemas.microsoft.com/office/drawing/2014/main" id="{636272B6-DE23-47D1-89D6-5CDC83B44C21}"/>
-              </a:ext>
-            </a:extLst>
-          </p:cNvPr>
-          <p:cNvSpPr txBox="1"/>
-          <p:nvPr/>
-        </p:nvSpPr>
-        <p:spPr>
-          <a:xfrm>
-            <a:off x="7345070" y="11176386"/>
-            <a:ext cx="1610282" cy="707886"/>
-          </a:xfrm>
-          <a:prstGeom prst="rect">
-            <a:avLst/>
-          </a:prstGeom>
-          <a:ln w="57150"/>
-        </p:spPr>
-        <p:style>
-          <a:lnRef idx="2">
-            <a:schemeClr val="dk1"/>
-          </a:lnRef>
-          <a:fillRef idx="1">
-            <a:schemeClr val="lt1"/>
-          </a:fillRef>
-          <a:effectRef idx="0">
-            <a:schemeClr val="dk1"/>
-          </a:effectRef>
-          <a:fontRef idx="minor">
-            <a:schemeClr val="dk1"/>
-          </a:fontRef>
-        </p:style>
-        <p:txBody>
-          <a:bodyPr wrap="square" rtlCol="0">
-            <a:spAutoFit/>
-          </a:bodyPr>
-          <a:lstStyle/>
-          <a:p>
-            <a:r>
-              <a:rPr lang="en-US" sz="2000" b="1" u="sng" dirty="0"/>
-              <a:t>--Secretary--</a:t>
-            </a:r>
-          </a:p>
-          <a:p>
-            <a:r>
-              <a:rPr lang="en-US" sz="2000" dirty="0" err="1"/>
-              <a:t>hoursWork</a:t>
             </a:r>
             <a:endParaRPr lang="en-US" sz="2000" dirty="0"/>
           </a:p>
@@ -4513,51 +4244,6 @@
           </a:fontRef>
         </p:style>
       </p:cxnSp>
-      <p:cxnSp>
-        <p:nvCxnSpPr>
-          <p:cNvPr id="150" name="Connector: Elbow 149">
-            <a:extLst>
-              <a:ext uri="{FF2B5EF4-FFF2-40B4-BE49-F238E27FC236}">
-                <a16:creationId xmlns:a16="http://schemas.microsoft.com/office/drawing/2014/main" id="{D4F61B65-6259-4C79-A341-90ADDBBC8F17}"/>
-              </a:ext>
-            </a:extLst>
-          </p:cNvPr>
-          <p:cNvCxnSpPr>
-            <a:cxnSpLocks/>
-            <a:stCxn id="31" idx="2"/>
-            <a:endCxn id="81" idx="0"/>
-          </p:cNvCxnSpPr>
-          <p:nvPr/>
-        </p:nvCxnSpPr>
-        <p:spPr>
-          <a:xfrm rot="16200000" flipH="1">
-            <a:off x="6519506" y="9545681"/>
-            <a:ext cx="2309686" cy="951724"/>
-          </a:xfrm>
-          <a:prstGeom prst="bentConnector3">
-            <a:avLst>
-              <a:gd name="adj1" fmla="val 50000"/>
-            </a:avLst>
-          </a:prstGeom>
-          <a:ln w="57150">
-            <a:tailEnd type="triangle"/>
-          </a:ln>
-        </p:spPr>
-        <p:style>
-          <a:lnRef idx="1">
-            <a:schemeClr val="dk1"/>
-          </a:lnRef>
-          <a:fillRef idx="0">
-            <a:schemeClr val="dk1"/>
-          </a:fillRef>
-          <a:effectRef idx="0">
-            <a:schemeClr val="dk1"/>
-          </a:effectRef>
-          <a:fontRef idx="minor">
-            <a:schemeClr val="tx1"/>
-          </a:fontRef>
-        </p:style>
-      </p:cxnSp>
       <p:sp>
         <p:nvSpPr>
           <p:cNvPr id="176" name="TextBox 175">
@@ -5092,6 +4778,7 @@
             </a:extLst>
           </p:cNvPr>
           <p:cNvCxnSpPr>
+            <a:cxnSpLocks/>
             <a:stCxn id="31" idx="3"/>
             <a:endCxn id="74" idx="1"/>
           </p:cNvCxnSpPr>
@@ -5099,8 +4786,8 @@
         </p:nvCxnSpPr>
         <p:spPr>
           <a:xfrm flipV="1">
-            <a:off x="8921098" y="2126403"/>
-            <a:ext cx="3474499" cy="5616914"/>
+            <a:off x="8247530" y="2126403"/>
+            <a:ext cx="4148067" cy="5770802"/>
           </a:xfrm>
           <a:prstGeom prst="bentConnector3">
             <a:avLst/>
